--- a/jan11.pptx
+++ b/jan11.pptx
@@ -20,8 +20,9 @@
     <p:sldId id="273" r:id="rId14"/>
     <p:sldId id="280" r:id="rId15"/>
     <p:sldId id="279" r:id="rId16"/>
-    <p:sldId id="274" r:id="rId17"/>
-    <p:sldId id="267" r:id="rId18"/>
+    <p:sldId id="281" r:id="rId17"/>
+    <p:sldId id="274" r:id="rId18"/>
+    <p:sldId id="267" r:id="rId19"/>
   </p:sldIdLst>
   <p:sldSz cx="12192000" cy="6858000"/>
   <p:notesSz cx="6858000" cy="9144000"/>
@@ -8287,7 +8288,13 @@
           <p:cNvGraphicFramePr>
             <a:graphicFrameLocks noGrp="1"/>
           </p:cNvGraphicFramePr>
-          <p:nvPr/>
+          <p:nvPr>
+            <p:extLst>
+              <p:ext uri="{D42A27DB-BD31-4B8C-83A1-F6EECF244321}">
+                <p14:modId xmlns:p14="http://schemas.microsoft.com/office/powerpoint/2010/main" val="2695384961"/>
+              </p:ext>
+            </p:extLst>
+          </p:nvPr>
         </p:nvGraphicFramePr>
         <p:xfrm>
           <a:off x="1295401" y="3234268"/>
@@ -8440,10 +8447,7 @@
                     <a:bodyPr/>
                     <a:lstStyle/>
                     <a:p>
-                      <a:r>
-                        <a:rPr lang="en-US" dirty="0"/>
-                        <a:t>24</a:t>
-                      </a:r>
+                      <a:endParaRPr lang="en-US" dirty="0"/>
                     </a:p>
                   </a:txBody>
                   <a:tcPr/>
@@ -8453,10 +8457,7 @@
                     <a:bodyPr/>
                     <a:lstStyle/>
                     <a:p>
-                      <a:r>
-                        <a:rPr lang="en-US" dirty="0"/>
-                        <a:t>.449</a:t>
-                      </a:r>
+                      <a:endParaRPr lang="en-US" dirty="0"/>
                     </a:p>
                   </a:txBody>
                   <a:tcPr/>
@@ -8466,10 +8467,7 @@
                     <a:bodyPr/>
                     <a:lstStyle/>
                     <a:p>
-                      <a:r>
-                        <a:rPr lang="en-US" dirty="0"/>
-                        <a:t>.057</a:t>
-                      </a:r>
+                      <a:endParaRPr lang="en-US" dirty="0"/>
                     </a:p>
                   </a:txBody>
                   <a:tcPr/>
@@ -8796,7 +8794,7 @@
           <p:nvPr>
             <p:extLst>
               <p:ext uri="{D42A27DB-BD31-4B8C-83A1-F6EECF244321}">
-                <p14:modId xmlns:p14="http://schemas.microsoft.com/office/powerpoint/2010/main" val="4176253171"/>
+                <p14:modId xmlns:p14="http://schemas.microsoft.com/office/powerpoint/2010/main" val="73361828"/>
               </p:ext>
             </p:extLst>
           </p:nvPr>
@@ -8861,6 +8859,10 @@
                       <a:r>
                         <a:rPr lang="zh-CN" altLang="en-US" dirty="0"/>
                         <a:t>层数</a:t>
+                      </a:r>
+                      <a:r>
+                        <a:rPr lang="en-US" altLang="zh-CN" dirty="0"/>
+                        <a:t>(rank=4)</a:t>
                       </a:r>
                       <a:endParaRPr lang="en-US" dirty="0"/>
                     </a:p>
@@ -8977,7 +8979,7 @@
                     <a:bodyPr/>
                     <a:lstStyle/>
                     <a:p>
-                      <a:endParaRPr lang="en-US"/>
+                      <a:endParaRPr lang="en-US" dirty="0"/>
                     </a:p>
                   </a:txBody>
                   <a:tcPr/>
@@ -8987,7 +8989,7 @@
                     <a:bodyPr/>
                     <a:lstStyle/>
                     <a:p>
-                      <a:endParaRPr lang="en-US"/>
+                      <a:endParaRPr lang="en-US" dirty="0"/>
                     </a:p>
                   </a:txBody>
                   <a:tcPr/>
@@ -8997,7 +8999,7 @@
                     <a:bodyPr/>
                     <a:lstStyle/>
                     <a:p>
-                      <a:endParaRPr lang="en-US"/>
+                      <a:endParaRPr lang="en-US" dirty="0"/>
                     </a:p>
                   </a:txBody>
                   <a:tcPr/>
@@ -9007,7 +9009,7 @@
                     <a:bodyPr/>
                     <a:lstStyle/>
                     <a:p>
-                      <a:endParaRPr lang="en-US"/>
+                      <a:endParaRPr lang="en-US" dirty="0"/>
                     </a:p>
                   </a:txBody>
                   <a:tcPr/>
@@ -9054,7 +9056,7 @@
                     <a:bodyPr/>
                     <a:lstStyle/>
                     <a:p>
-                      <a:endParaRPr lang="en-US"/>
+                      <a:endParaRPr lang="en-US" dirty="0"/>
                     </a:p>
                   </a:txBody>
                   <a:tcPr/>
@@ -9064,7 +9066,7 @@
                     <a:bodyPr/>
                     <a:lstStyle/>
                     <a:p>
-                      <a:endParaRPr lang="en-US"/>
+                      <a:endParaRPr lang="en-US" dirty="0"/>
                     </a:p>
                   </a:txBody>
                   <a:tcPr/>
@@ -9074,7 +9076,7 @@
                     <a:bodyPr/>
                     <a:lstStyle/>
                     <a:p>
-                      <a:endParaRPr lang="en-US"/>
+                      <a:endParaRPr lang="en-US" dirty="0"/>
                     </a:p>
                   </a:txBody>
                   <a:tcPr/>
@@ -9084,7 +9086,7 @@
                     <a:bodyPr/>
                     <a:lstStyle/>
                     <a:p>
-                      <a:endParaRPr lang="en-US"/>
+                      <a:endParaRPr lang="en-US" dirty="0"/>
                     </a:p>
                   </a:txBody>
                   <a:tcPr/>
@@ -9131,17 +9133,7 @@
                     <a:bodyPr/>
                     <a:lstStyle/>
                     <a:p>
-                      <a:endParaRPr lang="en-US"/>
-                    </a:p>
-                  </a:txBody>
-                  <a:tcPr/>
-                </a:tc>
-                <a:tc>
-                  <a:txBody>
-                    <a:bodyPr/>
-                    <a:lstStyle/>
-                    <a:p>
-                      <a:endParaRPr lang="en-US"/>
+                      <a:endParaRPr lang="en-US" dirty="0"/>
                     </a:p>
                   </a:txBody>
                   <a:tcPr/>
@@ -9161,7 +9153,17 @@
                     <a:bodyPr/>
                     <a:lstStyle/>
                     <a:p>
-                      <a:endParaRPr lang="en-US"/>
+                      <a:endParaRPr lang="en-US" dirty="0"/>
+                    </a:p>
+                  </a:txBody>
+                  <a:tcPr/>
+                </a:tc>
+                <a:tc>
+                  <a:txBody>
+                    <a:bodyPr/>
+                    <a:lstStyle/>
+                    <a:p>
+                      <a:endParaRPr lang="en-US" dirty="0"/>
                     </a:p>
                   </a:txBody>
                   <a:tcPr/>
@@ -9208,7 +9210,7 @@
                     <a:bodyPr/>
                     <a:lstStyle/>
                     <a:p>
-                      <a:endParaRPr lang="en-US"/>
+                      <a:endParaRPr lang="en-US" dirty="0"/>
                     </a:p>
                   </a:txBody>
                   <a:tcPr/>
@@ -9288,7 +9290,7 @@
                     <a:bodyPr/>
                     <a:lstStyle/>
                     <a:p>
-                      <a:endParaRPr lang="en-US"/>
+                      <a:endParaRPr lang="en-US" dirty="0"/>
                     </a:p>
                   </a:txBody>
                   <a:tcPr/>
@@ -9298,7 +9300,7 @@
                     <a:bodyPr/>
                     <a:lstStyle/>
                     <a:p>
-                      <a:endParaRPr lang="en-US"/>
+                      <a:endParaRPr lang="en-US" dirty="0"/>
                     </a:p>
                   </a:txBody>
                   <a:tcPr/>
@@ -9381,6 +9383,539 @@
         </p:nvSpPr>
         <p:spPr/>
         <p:txBody>
+          <a:bodyPr>
+            <a:noAutofit/>
+          </a:bodyPr>
+          <a:lstStyle/>
+          <a:p>
+            <a:r>
+              <a:rPr lang="zh-CN" altLang="en-US" sz="3600" dirty="0"/>
+              <a:t>接上面测试</a:t>
+            </a:r>
+            <a:br>
+              <a:rPr lang="en-US" altLang="zh-CN" sz="2400" dirty="0"/>
+            </a:br>
+            <a:r>
+              <a:rPr lang="zh-CN" altLang="en-US" sz="2400" dirty="0"/>
+              <a:t>矩阵</a:t>
+            </a:r>
+            <a:r>
+              <a:rPr lang="en-US" altLang="zh-CN" sz="2400" dirty="0"/>
+              <a:t>A: 65025 * 65025 (</a:t>
+            </a:r>
+            <a:r>
+              <a:rPr lang="zh-CN" altLang="en-US" sz="2400" dirty="0"/>
+              <a:t>非零元</a:t>
+            </a:r>
+            <a:r>
+              <a:rPr lang="en-US" altLang="zh-CN" sz="2400" dirty="0"/>
+              <a:t> = 1030225 (.024%))</a:t>
+            </a:r>
+            <a:br>
+              <a:rPr lang="en-US" sz="2400" dirty="0"/>
+            </a:br>
+            <a:endParaRPr lang="en-US" sz="2400" dirty="0"/>
+          </a:p>
+        </p:txBody>
+      </p:sp>
+      <p:sp>
+        <p:nvSpPr>
+          <p:cNvPr id="4" name="Content Placeholder 3">
+            <a:extLst>
+              <a:ext uri="{FF2B5EF4-FFF2-40B4-BE49-F238E27FC236}">
+                <a16:creationId xmlns:a16="http://schemas.microsoft.com/office/drawing/2014/main" id="{41B29A9D-7C58-48D0-A432-C63F041C38DE}"/>
+              </a:ext>
+            </a:extLst>
+          </p:cNvPr>
+          <p:cNvSpPr>
+            <a:spLocks noGrp="1"/>
+          </p:cNvSpPr>
+          <p:nvPr>
+            <p:ph idx="1"/>
+          </p:nvPr>
+        </p:nvSpPr>
+        <p:spPr/>
+        <p:txBody>
+          <a:bodyPr>
+            <a:normAutofit/>
+          </a:bodyPr>
+          <a:lstStyle/>
+          <a:p>
+            <a:endParaRPr lang="en-US" dirty="0"/>
+          </a:p>
+          <a:p>
+            <a:endParaRPr lang="en-US" dirty="0"/>
+          </a:p>
+        </p:txBody>
+      </p:sp>
+      <p:sp>
+        <p:nvSpPr>
+          <p:cNvPr id="7" name="文本框 6">
+            <a:extLst>
+              <a:ext uri="{FF2B5EF4-FFF2-40B4-BE49-F238E27FC236}">
+                <a16:creationId xmlns:a16="http://schemas.microsoft.com/office/drawing/2014/main" id="{4A0FDFAE-7077-4FE0-8602-DE4D5AE49E32}"/>
+              </a:ext>
+            </a:extLst>
+          </p:cNvPr>
+          <p:cNvSpPr txBox="1"/>
+          <p:nvPr/>
+        </p:nvSpPr>
+        <p:spPr>
+          <a:xfrm>
+            <a:off x="2003719" y="2833993"/>
+            <a:ext cx="7904583" cy="2862322"/>
+          </a:xfrm>
+          <a:prstGeom prst="rect">
+            <a:avLst/>
+          </a:prstGeom>
+          <a:noFill/>
+        </p:spPr>
+        <p:txBody>
+          <a:bodyPr wrap="square" rtlCol="0">
+            <a:spAutoFit/>
+          </a:bodyPr>
+          <a:lstStyle/>
+          <a:p>
+            <a:pPr algn="ctr"/>
+            <a:endParaRPr lang="en-US" altLang="zh-CN" dirty="0"/>
+          </a:p>
+          <a:p>
+            <a:pPr algn="ctr"/>
+            <a:endParaRPr lang="en-US" altLang="zh-CN" dirty="0"/>
+          </a:p>
+          <a:p>
+            <a:pPr algn="ctr"/>
+            <a:endParaRPr lang="en-US" altLang="zh-CN" dirty="0"/>
+          </a:p>
+          <a:p>
+            <a:pPr algn="ctr"/>
+            <a:endParaRPr lang="en-US" altLang="zh-CN" dirty="0"/>
+          </a:p>
+          <a:p>
+            <a:pPr algn="ctr"/>
+            <a:endParaRPr lang="en-US" altLang="zh-CN" dirty="0"/>
+          </a:p>
+          <a:p>
+            <a:pPr algn="ctr"/>
+            <a:endParaRPr lang="en-US" altLang="zh-CN" dirty="0"/>
+          </a:p>
+          <a:p>
+            <a:pPr algn="ctr"/>
+            <a:endParaRPr lang="en-US" altLang="zh-CN" dirty="0"/>
+          </a:p>
+          <a:p>
+            <a:endParaRPr lang="en-US" altLang="zh-CN" dirty="0"/>
+          </a:p>
+          <a:p>
+            <a:endParaRPr lang="en-US" altLang="zh-CN" dirty="0"/>
+          </a:p>
+          <a:p>
+            <a:endParaRPr lang="en-US" altLang="zh-CN" dirty="0"/>
+          </a:p>
+        </p:txBody>
+      </p:sp>
+      <p:graphicFrame>
+        <p:nvGraphicFramePr>
+          <p:cNvPr id="3" name="Table 4">
+            <a:extLst>
+              <a:ext uri="{FF2B5EF4-FFF2-40B4-BE49-F238E27FC236}">
+                <a16:creationId xmlns:a16="http://schemas.microsoft.com/office/drawing/2014/main" id="{ABBA352C-34A3-43C7-9952-305EEE7A4E2F}"/>
+              </a:ext>
+            </a:extLst>
+          </p:cNvPr>
+          <p:cNvGraphicFramePr>
+            <a:graphicFrameLocks noGrp="1"/>
+          </p:cNvGraphicFramePr>
+          <p:nvPr>
+            <p:extLst>
+              <p:ext uri="{D42A27DB-BD31-4B8C-83A1-F6EECF244321}">
+                <p14:modId xmlns:p14="http://schemas.microsoft.com/office/powerpoint/2010/main" val="3598150577"/>
+              </p:ext>
+            </p:extLst>
+          </p:nvPr>
+        </p:nvGraphicFramePr>
+        <p:xfrm>
+          <a:off x="1080655" y="3146982"/>
+          <a:ext cx="10241280" cy="1752600"/>
+        </p:xfrm>
+        <a:graphic>
+          <a:graphicData uri="http://schemas.openxmlformats.org/drawingml/2006/table">
+            <a:tbl>
+              <a:tblPr firstRow="1" bandRow="1">
+                <a:tableStyleId>{5C22544A-7EE6-4342-B048-85BDC9FD1C3A}</a:tableStyleId>
+              </a:tblPr>
+              <a:tblGrid>
+                <a:gridCol w="2048256">
+                  <a:extLst>
+                    <a:ext uri="{9D8B030D-6E8A-4147-A177-3AD203B41FA5}">
+                      <a16:colId xmlns:a16="http://schemas.microsoft.com/office/drawing/2014/main" val="3171037700"/>
+                    </a:ext>
+                  </a:extLst>
+                </a:gridCol>
+                <a:gridCol w="2048256">
+                  <a:extLst>
+                    <a:ext uri="{9D8B030D-6E8A-4147-A177-3AD203B41FA5}">
+                      <a16:colId xmlns:a16="http://schemas.microsoft.com/office/drawing/2014/main" val="315955941"/>
+                    </a:ext>
+                  </a:extLst>
+                </a:gridCol>
+                <a:gridCol w="2048256">
+                  <a:extLst>
+                    <a:ext uri="{9D8B030D-6E8A-4147-A177-3AD203B41FA5}">
+                      <a16:colId xmlns:a16="http://schemas.microsoft.com/office/drawing/2014/main" val="2014762097"/>
+                    </a:ext>
+                  </a:extLst>
+                </a:gridCol>
+                <a:gridCol w="2048256">
+                  <a:extLst>
+                    <a:ext uri="{9D8B030D-6E8A-4147-A177-3AD203B41FA5}">
+                      <a16:colId xmlns:a16="http://schemas.microsoft.com/office/drawing/2014/main" val="3965603919"/>
+                    </a:ext>
+                  </a:extLst>
+                </a:gridCol>
+                <a:gridCol w="2048256">
+                  <a:extLst>
+                    <a:ext uri="{9D8B030D-6E8A-4147-A177-3AD203B41FA5}">
+                      <a16:colId xmlns:a16="http://schemas.microsoft.com/office/drawing/2014/main" val="3716439279"/>
+                    </a:ext>
+                  </a:extLst>
+                </a:gridCol>
+              </a:tblGrid>
+              <a:tr h="370840">
+                <a:tc>
+                  <a:txBody>
+                    <a:bodyPr/>
+                    <a:lstStyle/>
+                    <a:p>
+                      <a:r>
+                        <a:rPr lang="en-US" dirty="0"/>
+                        <a:t>MLR</a:t>
+                      </a:r>
+                      <a:r>
+                        <a:rPr lang="ja-JP" altLang="en-US" dirty="0"/>
+                        <a:t>秩数</a:t>
+                      </a:r>
+                      <a:r>
+                        <a:rPr lang="en-US" altLang="ja-JP" dirty="0"/>
+                        <a:t>(</a:t>
+                      </a:r>
+                      <a:r>
+                        <a:rPr lang="en-US" dirty="0"/>
+                        <a:t>level=3)</a:t>
+                      </a:r>
+                    </a:p>
+                    <a:p>
+                      <a:endParaRPr lang="en-US" dirty="0"/>
+                    </a:p>
+                  </a:txBody>
+                  <a:tcPr/>
+                </a:tc>
+                <a:tc>
+                  <a:txBody>
+                    <a:bodyPr/>
+                    <a:lstStyle/>
+                    <a:p>
+                      <a:r>
+                        <a:rPr lang="zh-CN" altLang="en-US" dirty="0"/>
+                        <a:t>迭代</a:t>
+                      </a:r>
+                      <a:endParaRPr lang="en-US" dirty="0"/>
+                    </a:p>
+                  </a:txBody>
+                  <a:tcPr/>
+                </a:tc>
+                <a:tc>
+                  <a:txBody>
+                    <a:bodyPr/>
+                    <a:lstStyle/>
+                    <a:p>
+                      <a:r>
+                        <a:rPr lang="en-US" altLang="zh-CN" dirty="0"/>
+                        <a:t>PCG</a:t>
+                      </a:r>
+                      <a:r>
+                        <a:rPr lang="zh-CN" altLang="en-US" dirty="0"/>
+                        <a:t>耗时 </a:t>
+                      </a:r>
+                      <a:r>
+                        <a:rPr lang="en-US" altLang="zh-CN" dirty="0"/>
+                        <a:t>(sec)</a:t>
+                      </a:r>
+                      <a:endParaRPr lang="en-US" dirty="0"/>
+                    </a:p>
+                  </a:txBody>
+                  <a:tcPr/>
+                </a:tc>
+                <a:tc>
+                  <a:txBody>
+                    <a:bodyPr/>
+                    <a:lstStyle/>
+                    <a:p>
+                      <a:r>
+                        <a:rPr lang="zh-CN" altLang="en-US" dirty="0"/>
+                        <a:t>与准确解最大差</a:t>
+                      </a:r>
+                      <a:r>
+                        <a:rPr lang="en-US" altLang="zh-CN" dirty="0"/>
+                        <a:t>*</a:t>
+                      </a:r>
+                      <a:endParaRPr lang="en-US" dirty="0"/>
+                    </a:p>
+                  </a:txBody>
+                  <a:tcPr/>
+                </a:tc>
+                <a:tc>
+                  <a:txBody>
+                    <a:bodyPr/>
+                    <a:lstStyle/>
+                    <a:p>
+                      <a:r>
+                        <a:rPr lang="zh-CN" altLang="en-US" dirty="0"/>
+                        <a:t>平均每行填入</a:t>
+                      </a:r>
+                      <a:endParaRPr lang="en-US" dirty="0"/>
+                    </a:p>
+                  </a:txBody>
+                  <a:tcPr/>
+                </a:tc>
+                <a:extLst>
+                  <a:ext uri="{0D108BD9-81ED-4DB2-BD59-A6C34878D82A}">
+                    <a16:rowId xmlns:a16="http://schemas.microsoft.com/office/drawing/2014/main" val="2674712892"/>
+                  </a:ext>
+                </a:extLst>
+              </a:tr>
+              <a:tr h="370840">
+                <a:tc>
+                  <a:txBody>
+                    <a:bodyPr/>
+                    <a:lstStyle/>
+                    <a:p>
+                      <a:r>
+                        <a:rPr lang="en-US" dirty="0"/>
+                        <a:t>2</a:t>
+                      </a:r>
+                    </a:p>
+                  </a:txBody>
+                  <a:tcPr/>
+                </a:tc>
+                <a:tc>
+                  <a:txBody>
+                    <a:bodyPr/>
+                    <a:lstStyle/>
+                    <a:p>
+                      <a:endParaRPr lang="en-US"/>
+                    </a:p>
+                  </a:txBody>
+                  <a:tcPr/>
+                </a:tc>
+                <a:tc>
+                  <a:txBody>
+                    <a:bodyPr/>
+                    <a:lstStyle/>
+                    <a:p>
+                      <a:endParaRPr lang="en-US" dirty="0"/>
+                    </a:p>
+                  </a:txBody>
+                  <a:tcPr/>
+                </a:tc>
+                <a:tc>
+                  <a:txBody>
+                    <a:bodyPr/>
+                    <a:lstStyle/>
+                    <a:p>
+                      <a:endParaRPr lang="en-US" dirty="0"/>
+                    </a:p>
+                  </a:txBody>
+                  <a:tcPr/>
+                </a:tc>
+                <a:tc>
+                  <a:txBody>
+                    <a:bodyPr/>
+                    <a:lstStyle/>
+                    <a:p>
+                      <a:endParaRPr lang="en-US"/>
+                    </a:p>
+                  </a:txBody>
+                  <a:tcPr/>
+                </a:tc>
+                <a:extLst>
+                  <a:ext uri="{0D108BD9-81ED-4DB2-BD59-A6C34878D82A}">
+                    <a16:rowId xmlns:a16="http://schemas.microsoft.com/office/drawing/2014/main" val="968647681"/>
+                  </a:ext>
+                </a:extLst>
+              </a:tr>
+              <a:tr h="370840">
+                <a:tc>
+                  <a:txBody>
+                    <a:bodyPr/>
+                    <a:lstStyle/>
+                    <a:p>
+                      <a:r>
+                        <a:rPr lang="en-US" dirty="0"/>
+                        <a:t>3</a:t>
+                      </a:r>
+                    </a:p>
+                  </a:txBody>
+                  <a:tcPr/>
+                </a:tc>
+                <a:tc>
+                  <a:txBody>
+                    <a:bodyPr/>
+                    <a:lstStyle/>
+                    <a:p>
+                      <a:endParaRPr lang="en-US"/>
+                    </a:p>
+                  </a:txBody>
+                  <a:tcPr/>
+                </a:tc>
+                <a:tc>
+                  <a:txBody>
+                    <a:bodyPr/>
+                    <a:lstStyle/>
+                    <a:p>
+                      <a:endParaRPr lang="en-US"/>
+                    </a:p>
+                  </a:txBody>
+                  <a:tcPr/>
+                </a:tc>
+                <a:tc>
+                  <a:txBody>
+                    <a:bodyPr/>
+                    <a:lstStyle/>
+                    <a:p>
+                      <a:endParaRPr lang="en-US"/>
+                    </a:p>
+                  </a:txBody>
+                  <a:tcPr/>
+                </a:tc>
+                <a:tc>
+                  <a:txBody>
+                    <a:bodyPr/>
+                    <a:lstStyle/>
+                    <a:p>
+                      <a:endParaRPr lang="en-US"/>
+                    </a:p>
+                  </a:txBody>
+                  <a:tcPr/>
+                </a:tc>
+                <a:extLst>
+                  <a:ext uri="{0D108BD9-81ED-4DB2-BD59-A6C34878D82A}">
+                    <a16:rowId xmlns:a16="http://schemas.microsoft.com/office/drawing/2014/main" val="3763830534"/>
+                  </a:ext>
+                </a:extLst>
+              </a:tr>
+              <a:tr h="370840">
+                <a:tc>
+                  <a:txBody>
+                    <a:bodyPr/>
+                    <a:lstStyle/>
+                    <a:p>
+                      <a:r>
+                        <a:rPr lang="en-US" dirty="0"/>
+                        <a:t>4</a:t>
+                      </a:r>
+                    </a:p>
+                  </a:txBody>
+                  <a:tcPr/>
+                </a:tc>
+                <a:tc>
+                  <a:txBody>
+                    <a:bodyPr/>
+                    <a:lstStyle/>
+                    <a:p>
+                      <a:endParaRPr lang="en-US"/>
+                    </a:p>
+                  </a:txBody>
+                  <a:tcPr/>
+                </a:tc>
+                <a:tc>
+                  <a:txBody>
+                    <a:bodyPr/>
+                    <a:lstStyle/>
+                    <a:p>
+                      <a:endParaRPr lang="en-US"/>
+                    </a:p>
+                  </a:txBody>
+                  <a:tcPr/>
+                </a:tc>
+                <a:tc>
+                  <a:txBody>
+                    <a:bodyPr/>
+                    <a:lstStyle/>
+                    <a:p>
+                      <a:endParaRPr lang="en-US"/>
+                    </a:p>
+                  </a:txBody>
+                  <a:tcPr/>
+                </a:tc>
+                <a:tc>
+                  <a:txBody>
+                    <a:bodyPr/>
+                    <a:lstStyle/>
+                    <a:p>
+                      <a:endParaRPr lang="en-US" dirty="0"/>
+                    </a:p>
+                  </a:txBody>
+                  <a:tcPr/>
+                </a:tc>
+                <a:extLst>
+                  <a:ext uri="{0D108BD9-81ED-4DB2-BD59-A6C34878D82A}">
+                    <a16:rowId xmlns:a16="http://schemas.microsoft.com/office/drawing/2014/main" val="1626629163"/>
+                  </a:ext>
+                </a:extLst>
+              </a:tr>
+            </a:tbl>
+          </a:graphicData>
+        </a:graphic>
+      </p:graphicFrame>
+    </p:spTree>
+    <p:extLst>
+      <p:ext uri="{BB962C8B-B14F-4D97-AF65-F5344CB8AC3E}">
+        <p14:creationId xmlns:p14="http://schemas.microsoft.com/office/powerpoint/2010/main" val="2333187301"/>
+      </p:ext>
+    </p:extLst>
+  </p:cSld>
+  <p:clrMapOvr>
+    <a:masterClrMapping/>
+  </p:clrMapOvr>
+</p:sld>
+</file>
+
+<file path=ppt/slides/slide17.xml><?xml version="1.0" encoding="utf-8"?>
+<p:sld xmlns:a="http://schemas.openxmlformats.org/drawingml/2006/main" xmlns:r="http://schemas.openxmlformats.org/officeDocument/2006/relationships" xmlns:p="http://schemas.openxmlformats.org/presentationml/2006/main">
+  <p:cSld>
+    <p:spTree>
+      <p:nvGrpSpPr>
+        <p:cNvPr id="1" name=""/>
+        <p:cNvGrpSpPr/>
+        <p:nvPr/>
+      </p:nvGrpSpPr>
+      <p:grpSpPr>
+        <a:xfrm>
+          <a:off x="0" y="0"/>
+          <a:ext cx="0" cy="0"/>
+          <a:chOff x="0" y="0"/>
+          <a:chExt cx="0" cy="0"/>
+        </a:xfrm>
+      </p:grpSpPr>
+      <p:sp>
+        <p:nvSpPr>
+          <p:cNvPr id="2" name="Title 1">
+            <a:extLst>
+              <a:ext uri="{FF2B5EF4-FFF2-40B4-BE49-F238E27FC236}">
+                <a16:creationId xmlns:a16="http://schemas.microsoft.com/office/drawing/2014/main" id="{08FA0447-EE8A-4FD4-9B2F-50CE44D80D06}"/>
+              </a:ext>
+            </a:extLst>
+          </p:cNvPr>
+          <p:cNvSpPr>
+            <a:spLocks noGrp="1"/>
+          </p:cNvSpPr>
+          <p:nvPr>
+            <p:ph type="title"/>
+          </p:nvPr>
+        </p:nvSpPr>
+        <p:spPr/>
+        <p:txBody>
           <a:bodyPr/>
           <a:lstStyle/>
           <a:p>
@@ -9525,7 +10060,7 @@
 </p:sld>
 </file>
 
-<file path=ppt/slides/slide17.xml><?xml version="1.0" encoding="utf-8"?>
+<file path=ppt/slides/slide18.xml><?xml version="1.0" encoding="utf-8"?>
 <p:sld xmlns:a="http://schemas.openxmlformats.org/drawingml/2006/main" xmlns:r="http://schemas.openxmlformats.org/officeDocument/2006/relationships" xmlns:p="http://schemas.openxmlformats.org/presentationml/2006/main">
   <p:cSld>
     <p:spTree>
